--- a/簡報1.pptx
+++ b/簡報1.pptx
@@ -7,6 +7,8 @@
   <p:sldIdLst>
     <p:sldId id="256" r:id="rId2"/>
     <p:sldId id="257" r:id="rId3"/>
+    <p:sldId id="258" r:id="rId4"/>
+    <p:sldId id="259" r:id="rId5"/>
   </p:sldIdLst>
   <p:sldSz cx="12192000" cy="6858000"/>
   <p:notesSz cx="6858000" cy="9144000"/>
@@ -105,6 +107,11 @@
       </a:defRPr>
     </a:lvl9pPr>
   </p:defaultTextStyle>
+  <p:extLst>
+    <p:ext uri="{EFAFB233-063F-42B5-8137-9DF3F51BA10A}">
+      <p15:sldGuideLst xmlns:p15="http://schemas.microsoft.com/office/powerpoint/2012/main"/>
+    </p:ext>
+  </p:extLst>
 </p:presentation>
 </file>
 
@@ -255,7 +262,7 @@
           <a:p>
             <a:fld id="{F098CE44-C644-49C2-858C-DFB1C1ABAE56}" type="datetimeFigureOut">
               <a:rPr lang="zh-TW" altLang="en-US" smtClean="0"/>
-              <a:t>2023/6/5</a:t>
+              <a:t>2023/6/9</a:t>
             </a:fld>
             <a:endParaRPr lang="zh-TW" altLang="en-US"/>
           </a:p>
@@ -453,7 +460,7 @@
           <a:p>
             <a:fld id="{F098CE44-C644-49C2-858C-DFB1C1ABAE56}" type="datetimeFigureOut">
               <a:rPr lang="zh-TW" altLang="en-US" smtClean="0"/>
-              <a:t>2023/6/5</a:t>
+              <a:t>2023/6/9</a:t>
             </a:fld>
             <a:endParaRPr lang="zh-TW" altLang="en-US"/>
           </a:p>
@@ -661,7 +668,7 @@
           <a:p>
             <a:fld id="{F098CE44-C644-49C2-858C-DFB1C1ABAE56}" type="datetimeFigureOut">
               <a:rPr lang="zh-TW" altLang="en-US" smtClean="0"/>
-              <a:t>2023/6/5</a:t>
+              <a:t>2023/6/9</a:t>
             </a:fld>
             <a:endParaRPr lang="zh-TW" altLang="en-US"/>
           </a:p>
@@ -859,7 +866,7 @@
           <a:p>
             <a:fld id="{F098CE44-C644-49C2-858C-DFB1C1ABAE56}" type="datetimeFigureOut">
               <a:rPr lang="zh-TW" altLang="en-US" smtClean="0"/>
-              <a:t>2023/6/5</a:t>
+              <a:t>2023/6/9</a:t>
             </a:fld>
             <a:endParaRPr lang="zh-TW" altLang="en-US"/>
           </a:p>
@@ -1134,7 +1141,7 @@
           <a:p>
             <a:fld id="{F098CE44-C644-49C2-858C-DFB1C1ABAE56}" type="datetimeFigureOut">
               <a:rPr lang="zh-TW" altLang="en-US" smtClean="0"/>
-              <a:t>2023/6/5</a:t>
+              <a:t>2023/6/9</a:t>
             </a:fld>
             <a:endParaRPr lang="zh-TW" altLang="en-US"/>
           </a:p>
@@ -1399,7 +1406,7 @@
           <a:p>
             <a:fld id="{F098CE44-C644-49C2-858C-DFB1C1ABAE56}" type="datetimeFigureOut">
               <a:rPr lang="zh-TW" altLang="en-US" smtClean="0"/>
-              <a:t>2023/6/5</a:t>
+              <a:t>2023/6/9</a:t>
             </a:fld>
             <a:endParaRPr lang="zh-TW" altLang="en-US"/>
           </a:p>
@@ -1811,7 +1818,7 @@
           <a:p>
             <a:fld id="{F098CE44-C644-49C2-858C-DFB1C1ABAE56}" type="datetimeFigureOut">
               <a:rPr lang="zh-TW" altLang="en-US" smtClean="0"/>
-              <a:t>2023/6/5</a:t>
+              <a:t>2023/6/9</a:t>
             </a:fld>
             <a:endParaRPr lang="zh-TW" altLang="en-US"/>
           </a:p>
@@ -1952,7 +1959,7 @@
           <a:p>
             <a:fld id="{F098CE44-C644-49C2-858C-DFB1C1ABAE56}" type="datetimeFigureOut">
               <a:rPr lang="zh-TW" altLang="en-US" smtClean="0"/>
-              <a:t>2023/6/5</a:t>
+              <a:t>2023/6/9</a:t>
             </a:fld>
             <a:endParaRPr lang="zh-TW" altLang="en-US"/>
           </a:p>
@@ -2065,7 +2072,7 @@
           <a:p>
             <a:fld id="{F098CE44-C644-49C2-858C-DFB1C1ABAE56}" type="datetimeFigureOut">
               <a:rPr lang="zh-TW" altLang="en-US" smtClean="0"/>
-              <a:t>2023/6/5</a:t>
+              <a:t>2023/6/9</a:t>
             </a:fld>
             <a:endParaRPr lang="zh-TW" altLang="en-US"/>
           </a:p>
@@ -2376,7 +2383,7 @@
           <a:p>
             <a:fld id="{F098CE44-C644-49C2-858C-DFB1C1ABAE56}" type="datetimeFigureOut">
               <a:rPr lang="zh-TW" altLang="en-US" smtClean="0"/>
-              <a:t>2023/6/5</a:t>
+              <a:t>2023/6/9</a:t>
             </a:fld>
             <a:endParaRPr lang="zh-TW" altLang="en-US"/>
           </a:p>
@@ -2664,7 +2671,7 @@
           <a:p>
             <a:fld id="{F098CE44-C644-49C2-858C-DFB1C1ABAE56}" type="datetimeFigureOut">
               <a:rPr lang="zh-TW" altLang="en-US" smtClean="0"/>
-              <a:t>2023/6/5</a:t>
+              <a:t>2023/6/9</a:t>
             </a:fld>
             <a:endParaRPr lang="zh-TW" altLang="en-US"/>
           </a:p>
@@ -2905,7 +2912,7 @@
           <a:p>
             <a:fld id="{F098CE44-C644-49C2-858C-DFB1C1ABAE56}" type="datetimeFigureOut">
               <a:rPr lang="zh-TW" altLang="en-US" smtClean="0"/>
-              <a:t>2023/6/5</a:t>
+              <a:t>2023/6/9</a:t>
             </a:fld>
             <a:endParaRPr lang="zh-TW" altLang="en-US"/>
           </a:p>
@@ -3389,6 +3396,14 @@
 <file path=ppt/slides/slide2.xml><?xml version="1.0" encoding="utf-8"?>
 <p:sld xmlns:a="http://schemas.openxmlformats.org/drawingml/2006/main" xmlns:r="http://schemas.openxmlformats.org/officeDocument/2006/relationships" xmlns:p="http://schemas.openxmlformats.org/presentationml/2006/main">
   <p:cSld>
+    <p:bg>
+      <p:bgPr>
+        <a:solidFill>
+          <a:schemeClr val="bg1"/>
+        </a:solidFill>
+        <a:effectLst/>
+      </p:bgPr>
+    </p:bg>
     <p:spTree>
       <p:nvGrpSpPr>
         <p:cNvPr id="1" name=""/>
@@ -3448,8 +3463,8 @@
         </p:blipFill>
         <p:spPr>
           <a:xfrm>
-            <a:off x="615668" y="2209800"/>
-            <a:ext cx="10960663" cy="2654300"/>
+            <a:off x="527964" y="1170074"/>
+            <a:ext cx="10905066" cy="2631299"/>
           </a:xfrm>
           <a:prstGeom prst="rect">
             <a:avLst/>
@@ -3460,6 +3475,214 @@
     <p:extLst>
       <p:ext uri="{BB962C8B-B14F-4D97-AF65-F5344CB8AC3E}">
         <p14:creationId xmlns:p14="http://schemas.microsoft.com/office/powerpoint/2010/main" val="2367381089"/>
+      </p:ext>
+    </p:extLst>
+  </p:cSld>
+  <p:clrMapOvr>
+    <a:masterClrMapping/>
+  </p:clrMapOvr>
+</p:sld>
+</file>
+
+<file path=ppt/slides/slide3.xml><?xml version="1.0" encoding="utf-8"?>
+<p:sld xmlns:a="http://schemas.openxmlformats.org/drawingml/2006/main" xmlns:r="http://schemas.openxmlformats.org/officeDocument/2006/relationships" xmlns:p="http://schemas.openxmlformats.org/presentationml/2006/main">
+  <p:cSld>
+    <p:spTree>
+      <p:nvGrpSpPr>
+        <p:cNvPr id="1" name=""/>
+        <p:cNvGrpSpPr/>
+        <p:nvPr/>
+      </p:nvGrpSpPr>
+      <p:grpSpPr>
+        <a:xfrm>
+          <a:off x="0" y="0"/>
+          <a:ext cx="0" cy="0"/>
+          <a:chOff x="0" y="0"/>
+          <a:chExt cx="0" cy="0"/>
+        </a:xfrm>
+      </p:grpSpPr>
+      <p:pic>
+        <p:nvPicPr>
+          <p:cNvPr id="12" name="圖片 11">
+            <a:extLst>
+              <a:ext uri="{FF2B5EF4-FFF2-40B4-BE49-F238E27FC236}">
+                <a16:creationId xmlns:a16="http://schemas.microsoft.com/office/drawing/2014/main" id="{FB540FD0-35A2-6512-CCD5-5331266598F0}"/>
+              </a:ext>
+            </a:extLst>
+          </p:cNvPr>
+          <p:cNvPicPr>
+            <a:picLocks noChangeAspect="1"/>
+          </p:cNvPicPr>
+          <p:nvPr/>
+        </p:nvPicPr>
+        <p:blipFill rotWithShape="1">
+          <a:blip r:embed="rId2">
+            <a:biLevel thresh="50000"/>
+            <a:alphaModFix amt="5000"/>
+            <a:extLst>
+              <a:ext uri="{BEBA8EAE-BF5A-486C-A8C5-ECC9F3942E4B}">
+                <a14:imgProps xmlns:a14="http://schemas.microsoft.com/office/drawing/2010/main">
+                  <a14:imgLayer r:embed="rId3">
+                    <a14:imgEffect>
+                      <a14:backgroundRemoval t="9870" b="89758" l="6895" r="92063">
+                        <a14:foregroundMark x1="13268" y1="68901" x2="6895" y2="67412"/>
+                        <a14:foregroundMark x1="21842" y1="55121" x2="28795" y2="54935"/>
+                        <a14:foregroundMark x1="28795" y1="54935" x2="48494" y2="56611"/>
+                        <a14:foregroundMark x1="49421" y1="53259" x2="60834" y2="52328"/>
+                        <a14:foregroundMark x1="60834" y1="52328" x2="75666" y2="55866"/>
+                        <a14:foregroundMark x1="75666" y1="55866" x2="76419" y2="56611"/>
+                        <a14:foregroundMark x1="54287" y1="40037" x2="55794" y2="50652"/>
+                        <a14:foregroundMark x1="60429" y1="55493" x2="61703" y2="63315"/>
+                        <a14:foregroundMark x1="42236" y1="49721" x2="45829" y2="50093"/>
+                        <a14:foregroundMark x1="92063" y1="34451" x2="92063" y2="34451"/>
+                        <a14:foregroundMark x1="75145" y1="49721" x2="74681" y2="48976"/>
+                      </a14:backgroundRemoval>
+                    </a14:imgEffect>
+                  </a14:imgLayer>
+                </a14:imgProps>
+              </a:ext>
+            </a:extLst>
+          </a:blip>
+          <a:srcRect t="14247" b="7917"/>
+          <a:stretch/>
+        </p:blipFill>
+        <p:spPr>
+          <a:xfrm>
+            <a:off x="527964" y="1170074"/>
+            <a:ext cx="10905066" cy="2631299"/>
+          </a:xfrm>
+          <a:prstGeom prst="rect">
+            <a:avLst/>
+          </a:prstGeom>
+        </p:spPr>
+      </p:pic>
+      <p:pic>
+        <p:nvPicPr>
+          <p:cNvPr id="14" name="圖片 13">
+            <a:extLst>
+              <a:ext uri="{FF2B5EF4-FFF2-40B4-BE49-F238E27FC236}">
+                <a16:creationId xmlns:a16="http://schemas.microsoft.com/office/drawing/2014/main" id="{919736FC-E093-7A21-CCC4-C130A02A65F4}"/>
+              </a:ext>
+            </a:extLst>
+          </p:cNvPr>
+          <p:cNvPicPr>
+            <a:picLocks noChangeAspect="1"/>
+          </p:cNvPicPr>
+          <p:nvPr/>
+        </p:nvPicPr>
+        <p:blipFill>
+          <a:blip r:embed="rId4"/>
+          <a:stretch>
+            <a:fillRect/>
+          </a:stretch>
+        </p:blipFill>
+        <p:spPr>
+          <a:xfrm>
+            <a:off x="6095998" y="0"/>
+            <a:ext cx="4" cy="6858000"/>
+          </a:xfrm>
+          <a:prstGeom prst="rect">
+            <a:avLst/>
+          </a:prstGeom>
+        </p:spPr>
+      </p:pic>
+    </p:spTree>
+    <p:extLst>
+      <p:ext uri="{BB962C8B-B14F-4D97-AF65-F5344CB8AC3E}">
+        <p14:creationId xmlns:p14="http://schemas.microsoft.com/office/powerpoint/2010/main" val="4184713915"/>
+      </p:ext>
+    </p:extLst>
+  </p:cSld>
+  <p:clrMapOvr>
+    <a:masterClrMapping/>
+  </p:clrMapOvr>
+</p:sld>
+</file>
+
+<file path=ppt/slides/slide4.xml><?xml version="1.0" encoding="utf-8"?>
+<p:sld xmlns:a="http://schemas.openxmlformats.org/drawingml/2006/main" xmlns:r="http://schemas.openxmlformats.org/officeDocument/2006/relationships" xmlns:p="http://schemas.openxmlformats.org/presentationml/2006/main">
+  <p:cSld>
+    <p:bg>
+      <p:bgPr>
+        <a:solidFill>
+          <a:schemeClr val="bg1"/>
+        </a:solidFill>
+        <a:effectLst/>
+      </p:bgPr>
+    </p:bg>
+    <p:spTree>
+      <p:nvGrpSpPr>
+        <p:cNvPr id="1" name=""/>
+        <p:cNvGrpSpPr/>
+        <p:nvPr/>
+      </p:nvGrpSpPr>
+      <p:grpSpPr>
+        <a:xfrm>
+          <a:off x="0" y="0"/>
+          <a:ext cx="0" cy="0"/>
+          <a:chOff x="0" y="0"/>
+          <a:chExt cx="0" cy="0"/>
+        </a:xfrm>
+      </p:grpSpPr>
+      <p:pic>
+        <p:nvPicPr>
+          <p:cNvPr id="17" name="圖片 16" descr="一張含有 文字, 字型, 圖形, 標誌 的圖片&#10;&#10;自動產生的描述">
+            <a:extLst>
+              <a:ext uri="{FF2B5EF4-FFF2-40B4-BE49-F238E27FC236}">
+                <a16:creationId xmlns:a16="http://schemas.microsoft.com/office/drawing/2014/main" id="{A744EB99-1714-3856-35CE-429AEF03588C}"/>
+              </a:ext>
+            </a:extLst>
+          </p:cNvPr>
+          <p:cNvPicPr>
+            <a:picLocks noChangeAspect="1"/>
+          </p:cNvPicPr>
+          <p:nvPr/>
+        </p:nvPicPr>
+        <p:blipFill rotWithShape="1">
+          <a:blip r:embed="rId2">
+            <a:extLst>
+              <a:ext uri="{BEBA8EAE-BF5A-486C-A8C5-ECC9F3942E4B}">
+                <a14:imgProps xmlns:a14="http://schemas.microsoft.com/office/drawing/2010/main">
+                  <a14:imgLayer r:embed="rId3">
+                    <a14:imgEffect>
+                      <a14:backgroundRemoval t="3667" b="90000" l="7162" r="90830">
+                        <a14:foregroundMark x1="76157" y1="13000" x2="65153" y2="14333"/>
+                        <a14:foregroundMark x1="90830" y1="55333" x2="88297" y2="55667"/>
+                        <a14:foregroundMark x1="90830" y1="19333" x2="91004" y2="21000"/>
+                        <a14:foregroundMark x1="59563" y1="8667" x2="59240" y2="8050"/>
+                        <a14:foregroundMark x1="7162" y1="60333" x2="8472" y2="61667"/>
+                        <a14:backgroundMark x1="57205" y1="3667" x2="57467" y2="4000"/>
+                        <a14:backgroundMark x1="57380" y1="4333" x2="56332" y2="4333"/>
+                        <a14:backgroundMark x1="57555" y1="4333" x2="57817" y2="4667"/>
+                        <a14:backgroundMark x1="58690" y1="4667" x2="56594" y2="4333"/>
+                        <a14:backgroundMark x1="61310" y1="27333" x2="61310" y2="27333"/>
+                      </a14:backgroundRemoval>
+                    </a14:imgEffect>
+                  </a14:imgLayer>
+                </a14:imgProps>
+              </a:ext>
+              <a:ext uri="{28A0092B-C50C-407E-A947-70E740481C1C}">
+                <a14:useLocalDpi xmlns:a14="http://schemas.microsoft.com/office/drawing/2010/main" val="0"/>
+              </a:ext>
+            </a:extLst>
+          </a:blip>
+          <a:srcRect b="6446"/>
+          <a:stretch/>
+        </p:blipFill>
+        <p:spPr>
+          <a:xfrm>
+            <a:off x="2460438" y="2476451"/>
+            <a:ext cx="7271124" cy="1782282"/>
+          </a:xfrm>
+          <a:prstGeom prst="rect">
+            <a:avLst/>
+          </a:prstGeom>
+        </p:spPr>
+      </p:pic>
+    </p:spTree>
+    <p:extLst>
+      <p:ext uri="{BB962C8B-B14F-4D97-AF65-F5344CB8AC3E}">
+        <p14:creationId xmlns:p14="http://schemas.microsoft.com/office/powerpoint/2010/main" val="2184595875"/>
       </p:ext>
     </p:extLst>
   </p:cSld>

--- a/簡報1.pptx
+++ b/簡報1.pptx
@@ -9,6 +9,7 @@
     <p:sldId id="257" r:id="rId3"/>
     <p:sldId id="258" r:id="rId4"/>
     <p:sldId id="259" r:id="rId5"/>
+    <p:sldId id="260" r:id="rId6"/>
   </p:sldIdLst>
   <p:sldSz cx="12192000" cy="6858000"/>
   <p:notesSz cx="6858000" cy="9144000"/>
@@ -262,7 +263,7 @@
           <a:p>
             <a:fld id="{F098CE44-C644-49C2-858C-DFB1C1ABAE56}" type="datetimeFigureOut">
               <a:rPr lang="zh-TW" altLang="en-US" smtClean="0"/>
-              <a:t>2023/6/9</a:t>
+              <a:t>2023/6/15</a:t>
             </a:fld>
             <a:endParaRPr lang="zh-TW" altLang="en-US"/>
           </a:p>
@@ -460,7 +461,7 @@
           <a:p>
             <a:fld id="{F098CE44-C644-49C2-858C-DFB1C1ABAE56}" type="datetimeFigureOut">
               <a:rPr lang="zh-TW" altLang="en-US" smtClean="0"/>
-              <a:t>2023/6/9</a:t>
+              <a:t>2023/6/15</a:t>
             </a:fld>
             <a:endParaRPr lang="zh-TW" altLang="en-US"/>
           </a:p>
@@ -668,7 +669,7 @@
           <a:p>
             <a:fld id="{F098CE44-C644-49C2-858C-DFB1C1ABAE56}" type="datetimeFigureOut">
               <a:rPr lang="zh-TW" altLang="en-US" smtClean="0"/>
-              <a:t>2023/6/9</a:t>
+              <a:t>2023/6/15</a:t>
             </a:fld>
             <a:endParaRPr lang="zh-TW" altLang="en-US"/>
           </a:p>
@@ -866,7 +867,7 @@
           <a:p>
             <a:fld id="{F098CE44-C644-49C2-858C-DFB1C1ABAE56}" type="datetimeFigureOut">
               <a:rPr lang="zh-TW" altLang="en-US" smtClean="0"/>
-              <a:t>2023/6/9</a:t>
+              <a:t>2023/6/15</a:t>
             </a:fld>
             <a:endParaRPr lang="zh-TW" altLang="en-US"/>
           </a:p>
@@ -1141,7 +1142,7 @@
           <a:p>
             <a:fld id="{F098CE44-C644-49C2-858C-DFB1C1ABAE56}" type="datetimeFigureOut">
               <a:rPr lang="zh-TW" altLang="en-US" smtClean="0"/>
-              <a:t>2023/6/9</a:t>
+              <a:t>2023/6/15</a:t>
             </a:fld>
             <a:endParaRPr lang="zh-TW" altLang="en-US"/>
           </a:p>
@@ -1406,7 +1407,7 @@
           <a:p>
             <a:fld id="{F098CE44-C644-49C2-858C-DFB1C1ABAE56}" type="datetimeFigureOut">
               <a:rPr lang="zh-TW" altLang="en-US" smtClean="0"/>
-              <a:t>2023/6/9</a:t>
+              <a:t>2023/6/15</a:t>
             </a:fld>
             <a:endParaRPr lang="zh-TW" altLang="en-US"/>
           </a:p>
@@ -1818,7 +1819,7 @@
           <a:p>
             <a:fld id="{F098CE44-C644-49C2-858C-DFB1C1ABAE56}" type="datetimeFigureOut">
               <a:rPr lang="zh-TW" altLang="en-US" smtClean="0"/>
-              <a:t>2023/6/9</a:t>
+              <a:t>2023/6/15</a:t>
             </a:fld>
             <a:endParaRPr lang="zh-TW" altLang="en-US"/>
           </a:p>
@@ -1959,7 +1960,7 @@
           <a:p>
             <a:fld id="{F098CE44-C644-49C2-858C-DFB1C1ABAE56}" type="datetimeFigureOut">
               <a:rPr lang="zh-TW" altLang="en-US" smtClean="0"/>
-              <a:t>2023/6/9</a:t>
+              <a:t>2023/6/15</a:t>
             </a:fld>
             <a:endParaRPr lang="zh-TW" altLang="en-US"/>
           </a:p>
@@ -2072,7 +2073,7 @@
           <a:p>
             <a:fld id="{F098CE44-C644-49C2-858C-DFB1C1ABAE56}" type="datetimeFigureOut">
               <a:rPr lang="zh-TW" altLang="en-US" smtClean="0"/>
-              <a:t>2023/6/9</a:t>
+              <a:t>2023/6/15</a:t>
             </a:fld>
             <a:endParaRPr lang="zh-TW" altLang="en-US"/>
           </a:p>
@@ -2383,7 +2384,7 @@
           <a:p>
             <a:fld id="{F098CE44-C644-49C2-858C-DFB1C1ABAE56}" type="datetimeFigureOut">
               <a:rPr lang="zh-TW" altLang="en-US" smtClean="0"/>
-              <a:t>2023/6/9</a:t>
+              <a:t>2023/6/15</a:t>
             </a:fld>
             <a:endParaRPr lang="zh-TW" altLang="en-US"/>
           </a:p>
@@ -2671,7 +2672,7 @@
           <a:p>
             <a:fld id="{F098CE44-C644-49C2-858C-DFB1C1ABAE56}" type="datetimeFigureOut">
               <a:rPr lang="zh-TW" altLang="en-US" smtClean="0"/>
-              <a:t>2023/6/9</a:t>
+              <a:t>2023/6/15</a:t>
             </a:fld>
             <a:endParaRPr lang="zh-TW" altLang="en-US"/>
           </a:p>
@@ -2912,7 +2913,7 @@
           <a:p>
             <a:fld id="{F098CE44-C644-49C2-858C-DFB1C1ABAE56}" type="datetimeFigureOut">
               <a:rPr lang="zh-TW" altLang="en-US" smtClean="0"/>
-              <a:t>2023/6/9</a:t>
+              <a:t>2023/6/15</a:t>
             </a:fld>
             <a:endParaRPr lang="zh-TW" altLang="en-US"/>
           </a:p>
@@ -3671,8 +3672,61 @@
         </p:blipFill>
         <p:spPr>
           <a:xfrm>
-            <a:off x="2460438" y="2476451"/>
+            <a:off x="1856589" y="561387"/>
             <a:ext cx="7271124" cy="1782282"/>
+          </a:xfrm>
+          <a:prstGeom prst="rect">
+            <a:avLst/>
+          </a:prstGeom>
+        </p:spPr>
+      </p:pic>
+      <p:pic>
+        <p:nvPicPr>
+          <p:cNvPr id="2" name="圖片 1">
+            <a:extLst>
+              <a:ext uri="{FF2B5EF4-FFF2-40B4-BE49-F238E27FC236}">
+                <a16:creationId xmlns:a16="http://schemas.microsoft.com/office/drawing/2014/main" id="{5CC7A5D4-AC13-46AF-1D36-2562D6D9096F}"/>
+              </a:ext>
+            </a:extLst>
+          </p:cNvPr>
+          <p:cNvPicPr>
+            <a:picLocks noChangeAspect="1"/>
+          </p:cNvPicPr>
+          <p:nvPr/>
+        </p:nvPicPr>
+        <p:blipFill rotWithShape="1">
+          <a:blip r:embed="rId4">
+            <a:extLst>
+              <a:ext uri="{BEBA8EAE-BF5A-486C-A8C5-ECC9F3942E4B}">
+                <a14:imgProps xmlns:a14="http://schemas.microsoft.com/office/drawing/2010/main">
+                  <a14:imgLayer r:embed="rId5">
+                    <a14:imgEffect>
+                      <a14:backgroundRemoval t="9870" b="89758" l="6895" r="92063">
+                        <a14:foregroundMark x1="13268" y1="68901" x2="6895" y2="67412"/>
+                        <a14:foregroundMark x1="21842" y1="55121" x2="28795" y2="54935"/>
+                        <a14:foregroundMark x1="28795" y1="54935" x2="48494" y2="56611"/>
+                        <a14:foregroundMark x1="49421" y1="53259" x2="60834" y2="52328"/>
+                        <a14:foregroundMark x1="60834" y1="52328" x2="75666" y2="55866"/>
+                        <a14:foregroundMark x1="75666" y1="55866" x2="76419" y2="56611"/>
+                        <a14:foregroundMark x1="54287" y1="40037" x2="55794" y2="50652"/>
+                        <a14:foregroundMark x1="60429" y1="55493" x2="61703" y2="63315"/>
+                        <a14:foregroundMark x1="42236" y1="49721" x2="45829" y2="50093"/>
+                        <a14:foregroundMark x1="92063" y1="34451" x2="92063" y2="34451"/>
+                        <a14:foregroundMark x1="75145" y1="49721" x2="74681" y2="48976"/>
+                      </a14:backgroundRemoval>
+                    </a14:imgEffect>
+                  </a14:imgLayer>
+                </a14:imgProps>
+              </a:ext>
+            </a:extLst>
+          </a:blip>
+          <a:srcRect t="14247" b="7917"/>
+          <a:stretch/>
+        </p:blipFill>
+        <p:spPr>
+          <a:xfrm>
+            <a:off x="643467" y="3429000"/>
+            <a:ext cx="10905066" cy="2631299"/>
           </a:xfrm>
           <a:prstGeom prst="rect">
             <a:avLst/>
@@ -3683,6 +3737,174 @@
     <p:extLst>
       <p:ext uri="{BB962C8B-B14F-4D97-AF65-F5344CB8AC3E}">
         <p14:creationId xmlns:p14="http://schemas.microsoft.com/office/powerpoint/2010/main" val="2184595875"/>
+      </p:ext>
+    </p:extLst>
+  </p:cSld>
+  <p:clrMapOvr>
+    <a:masterClrMapping/>
+  </p:clrMapOvr>
+</p:sld>
+</file>
+
+<file path=ppt/slides/slide5.xml><?xml version="1.0" encoding="utf-8"?>
+<p:sld xmlns:a="http://schemas.openxmlformats.org/drawingml/2006/main" xmlns:r="http://schemas.openxmlformats.org/officeDocument/2006/relationships" xmlns:p="http://schemas.openxmlformats.org/presentationml/2006/main">
+  <p:cSld>
+    <p:spTree>
+      <p:nvGrpSpPr>
+        <p:cNvPr id="1" name=""/>
+        <p:cNvGrpSpPr/>
+        <p:nvPr/>
+      </p:nvGrpSpPr>
+      <p:grpSpPr>
+        <a:xfrm>
+          <a:off x="0" y="0"/>
+          <a:ext cx="0" cy="0"/>
+          <a:chOff x="0" y="0"/>
+          <a:chExt cx="0" cy="0"/>
+        </a:xfrm>
+      </p:grpSpPr>
+      <p:pic>
+        <p:nvPicPr>
+          <p:cNvPr id="9" name="圖片 8">
+            <a:extLst>
+              <a:ext uri="{FF2B5EF4-FFF2-40B4-BE49-F238E27FC236}">
+                <a16:creationId xmlns:a16="http://schemas.microsoft.com/office/drawing/2014/main" id="{9AE92E20-7590-9B69-EC07-EAECAF3C75CD}"/>
+              </a:ext>
+            </a:extLst>
+          </p:cNvPr>
+          <p:cNvPicPr>
+            <a:picLocks noChangeAspect="1"/>
+          </p:cNvPicPr>
+          <p:nvPr/>
+        </p:nvPicPr>
+        <p:blipFill>
+          <a:blip r:embed="rId2"/>
+          <a:stretch>
+            <a:fillRect/>
+          </a:stretch>
+        </p:blipFill>
+        <p:spPr>
+          <a:xfrm>
+            <a:off x="92260" y="439702"/>
+            <a:ext cx="6866519" cy="1975556"/>
+          </a:xfrm>
+          <a:prstGeom prst="rect">
+            <a:avLst/>
+          </a:prstGeom>
+        </p:spPr>
+      </p:pic>
+      <p:pic>
+        <p:nvPicPr>
+          <p:cNvPr id="11" name="圖片 10">
+            <a:extLst>
+              <a:ext uri="{FF2B5EF4-FFF2-40B4-BE49-F238E27FC236}">
+                <a16:creationId xmlns:a16="http://schemas.microsoft.com/office/drawing/2014/main" id="{555B4534-FD95-58FB-1A0A-23018E095A53}"/>
+              </a:ext>
+            </a:extLst>
+          </p:cNvPr>
+          <p:cNvPicPr>
+            <a:picLocks noChangeAspect="1"/>
+          </p:cNvPicPr>
+          <p:nvPr/>
+        </p:nvPicPr>
+        <p:blipFill rotWithShape="1">
+          <a:blip r:embed="rId2"/>
+          <a:srcRect l="2022" r="2925" b="13171"/>
+          <a:stretch/>
+        </p:blipFill>
+        <p:spPr>
+          <a:xfrm>
+            <a:off x="3163569" y="2932920"/>
+            <a:ext cx="723900" cy="709723"/>
+          </a:xfrm>
+          <a:prstGeom prst="rect">
+            <a:avLst/>
+          </a:prstGeom>
+        </p:spPr>
+      </p:pic>
+      <p:pic>
+        <p:nvPicPr>
+          <p:cNvPr id="12" name="圖片 11">
+            <a:extLst>
+              <a:ext uri="{FF2B5EF4-FFF2-40B4-BE49-F238E27FC236}">
+                <a16:creationId xmlns:a16="http://schemas.microsoft.com/office/drawing/2014/main" id="{5816AE5F-4B9B-4295-8A31-7EC7D475A751}"/>
+              </a:ext>
+            </a:extLst>
+          </p:cNvPr>
+          <p:cNvPicPr>
+            <a:picLocks noChangeAspect="1"/>
+          </p:cNvPicPr>
+          <p:nvPr/>
+        </p:nvPicPr>
+        <p:blipFill rotWithShape="1">
+          <a:blip r:embed="rId2"/>
+          <a:srcRect l="2022" r="2925" b="13171"/>
+          <a:stretch/>
+        </p:blipFill>
+        <p:spPr>
+          <a:xfrm>
+            <a:off x="5005069" y="3074138"/>
+            <a:ext cx="723900" cy="709723"/>
+          </a:xfrm>
+          <a:prstGeom prst="rect">
+            <a:avLst/>
+          </a:prstGeom>
+        </p:spPr>
+      </p:pic>
+      <p:pic>
+        <p:nvPicPr>
+          <p:cNvPr id="13" name="圖片 12">
+            <a:extLst>
+              <a:ext uri="{FF2B5EF4-FFF2-40B4-BE49-F238E27FC236}">
+                <a16:creationId xmlns:a16="http://schemas.microsoft.com/office/drawing/2014/main" id="{2803A211-810D-029C-D7D7-6BC128384230}"/>
+              </a:ext>
+            </a:extLst>
+          </p:cNvPr>
+          <p:cNvPicPr>
+            <a:picLocks noChangeAspect="1"/>
+          </p:cNvPicPr>
+          <p:nvPr/>
+        </p:nvPicPr>
+        <p:blipFill>
+          <a:blip r:embed="rId3">
+            <a:extLst>
+              <a:ext uri="{BEBA8EAE-BF5A-486C-A8C5-ECC9F3942E4B}">
+                <a14:imgProps xmlns:a14="http://schemas.microsoft.com/office/drawing/2010/main">
+                  <a14:imgLayer r:embed="rId4">
+                    <a14:imgEffect>
+                      <a14:backgroundRemoval t="9402" b="94872" l="1681" r="99160">
+                        <a14:foregroundMark x1="50420" y1="42735" x2="50420" y2="42735"/>
+                        <a14:foregroundMark x1="41176" y1="42735" x2="47059" y2="65812"/>
+                        <a14:foregroundMark x1="62185" y1="57265" x2="31092" y2="60684"/>
+                        <a14:foregroundMark x1="71429" y1="23077" x2="99160" y2="26496"/>
+                        <a14:foregroundMark x1="68067" y1="12821" x2="55462" y2="9402"/>
+                        <a14:foregroundMark x1="10084" y1="73504" x2="2521" y2="73504"/>
+                        <a14:foregroundMark x1="13445" y1="94872" x2="11765" y2="94872"/>
+                      </a14:backgroundRemoval>
+                    </a14:imgEffect>
+                  </a14:imgLayer>
+                </a14:imgProps>
+              </a:ext>
+            </a:extLst>
+          </a:blip>
+          <a:stretch>
+            <a:fillRect/>
+          </a:stretch>
+        </p:blipFill>
+        <p:spPr>
+          <a:xfrm>
+            <a:off x="7941789" y="3072352"/>
+            <a:ext cx="725487" cy="713294"/>
+          </a:xfrm>
+          <a:prstGeom prst="rect">
+            <a:avLst/>
+          </a:prstGeom>
+        </p:spPr>
+      </p:pic>
+    </p:spTree>
+    <p:extLst>
+      <p:ext uri="{BB962C8B-B14F-4D97-AF65-F5344CB8AC3E}">
+        <p14:creationId xmlns:p14="http://schemas.microsoft.com/office/powerpoint/2010/main" val="3413813064"/>
       </p:ext>
     </p:extLst>
   </p:cSld>
